--- a/Clase10/Clase 10.pptx
+++ b/Clase10/Clase 10.pptx
@@ -2094,6 +2094,13 @@
   <p:clrMapOvr>
     <a:masterClrMapping/>
   </p:clrMapOvr>
+  <p:timing>
+    <p:tnLst>
+      <p:par>
+        <p:cTn id="1" dur="indefinite" restart="never" nodeType="tmRoot"/>
+      </p:par>
+    </p:tnLst>
+  </p:timing>
 </p:sld>
 </file>
 
@@ -2542,6 +2549,13 @@
   <p:clrMapOvr>
     <a:masterClrMapping/>
   </p:clrMapOvr>
+  <p:timing>
+    <p:tnLst>
+      <p:par>
+        <p:cTn id="1" dur="indefinite" restart="never" nodeType="tmRoot"/>
+      </p:par>
+    </p:tnLst>
+  </p:timing>
 </p:sld>
 </file>
 
@@ -3127,6 +3141,13 @@
   <p:clrMapOvr>
     <a:masterClrMapping/>
   </p:clrMapOvr>
+  <p:timing>
+    <p:tnLst>
+      <p:par>
+        <p:cTn id="1" dur="indefinite" restart="never" nodeType="tmRoot"/>
+      </p:par>
+    </p:tnLst>
+  </p:timing>
 </p:sld>
 </file>
 
@@ -3277,6 +3298,13 @@
   <p:clrMapOvr>
     <a:masterClrMapping/>
   </p:clrMapOvr>
+  <p:timing>
+    <p:tnLst>
+      <p:par>
+        <p:cTn id="1" dur="indefinite" restart="never" nodeType="tmRoot"/>
+      </p:par>
+    </p:tnLst>
+  </p:timing>
 </p:sld>
 </file>
 
@@ -3417,6 +3445,7 @@
           </a:p>
           <a:p>
             <a:pPr marL="800100" lvl="1" indent="-342900">
+              <a:buFontTx/>
               <a:buAutoNum type="alphaLcPeriod"/>
             </a:pPr>
             <a:r>
@@ -3429,19 +3458,26 @@
               <a:rPr lang="es-CO" dirty="0" smtClean="0">
                 <a:hlinkClick r:id="rId3"/>
               </a:rPr>
-              <a:t>instalacion-bc3ad.firebaseio.com/comentarios.json</a:t>
-            </a:r>
-            <a:endParaRPr lang="es-CO" dirty="0" smtClean="0"/>
+              <a:t>instalacion-bc3ad.firebaseio.com/icesi.json</a:t>
+            </a:r>
+            <a:endParaRPr lang="es-CO" dirty="0"/>
           </a:p>
           <a:p>
             <a:pPr marL="800100" lvl="1" indent="-342900">
+              <a:buFontTx/>
               <a:buAutoNum type="alphaLcPeriod"/>
             </a:pPr>
             <a:r>
+              <a:rPr lang="es-CO" dirty="0" smtClean="0">
+                <a:hlinkClick r:id="rId4"/>
+              </a:rPr>
+              <a:t>https</a:t>
+            </a:r>
+            <a:r>
               <a:rPr lang="es-CO" dirty="0">
                 <a:hlinkClick r:id="rId4"/>
               </a:rPr>
-              <a:t>https://</a:t>
+              <a:t>://</a:t>
             </a:r>
             <a:r>
               <a:rPr lang="es-CO" dirty="0" smtClean="0">
@@ -3449,31 +3485,26 @@
               </a:rPr>
               <a:t>instalacion-bc3ad.firebaseio.com/vehiculos.json</a:t>
             </a:r>
-            <a:endParaRPr lang="es-CO" dirty="0"/>
+            <a:endParaRPr lang="es-CO" dirty="0" smtClean="0"/>
           </a:p>
           <a:p>
             <a:pPr marL="800100" lvl="1" indent="-342900">
+              <a:buFontTx/>
               <a:buAutoNum type="alphaLcPeriod"/>
             </a:pPr>
             <a:r>
+              <a:rPr lang="es-CO" dirty="0">
+                <a:hlinkClick r:id="rId5"/>
+              </a:rPr>
+              <a:t>https://</a:t>
+            </a:r>
+            <a:r>
               <a:rPr lang="es-CO" dirty="0" smtClean="0">
-                <a:hlinkClick r:id="rId4"/>
-              </a:rPr>
-              <a:t>https</a:t>
-            </a:r>
-            <a:r>
-              <a:rPr lang="es-CO" dirty="0">
-                <a:hlinkClick r:id="rId4"/>
-              </a:rPr>
-              <a:t>://</a:t>
-            </a:r>
-            <a:r>
-              <a:rPr lang="es-CO" dirty="0" smtClean="0">
-                <a:hlinkClick r:id="rId4"/>
-              </a:rPr>
-              <a:t>instalacion-bc3ad.firebaseio.com/materias.json</a:t>
-            </a:r>
-            <a:endParaRPr lang="es-CO" dirty="0" smtClean="0"/>
+                <a:hlinkClick r:id="rId5"/>
+              </a:rPr>
+              <a:t>instalacion-bc3ad.firebaseio.com/comentarios.json</a:t>
+            </a:r>
+            <a:endParaRPr lang="es-CO" dirty="0"/>
           </a:p>
         </p:txBody>
       </p:sp>
@@ -3487,6 +3518,13 @@
   <p:clrMapOvr>
     <a:masterClrMapping/>
   </p:clrMapOvr>
+  <p:timing>
+    <p:tnLst>
+      <p:par>
+        <p:cTn id="1" dur="indefinite" restart="never" nodeType="tmRoot"/>
+      </p:par>
+    </p:tnLst>
+  </p:timing>
 </p:sld>
 </file>
 
@@ -3649,6 +3687,13 @@
   <p:clrMapOvr>
     <a:masterClrMapping/>
   </p:clrMapOvr>
+  <p:timing>
+    <p:tnLst>
+      <p:par>
+        <p:cTn id="1" dur="indefinite" restart="never" nodeType="tmRoot"/>
+      </p:par>
+    </p:tnLst>
+  </p:timing>
 </p:sld>
 </file>
 
@@ -3818,6 +3863,13 @@
   <p:clrMapOvr>
     <a:masterClrMapping/>
   </p:clrMapOvr>
+  <p:timing>
+    <p:tnLst>
+      <p:par>
+        <p:cTn id="1" dur="indefinite" restart="never" nodeType="tmRoot"/>
+      </p:par>
+    </p:tnLst>
+  </p:timing>
 </p:sld>
 </file>
 
@@ -4521,6 +4573,13 @@
   <p:clrMapOvr>
     <a:masterClrMapping/>
   </p:clrMapOvr>
+  <p:timing>
+    <p:tnLst>
+      <p:par>
+        <p:cTn id="1" dur="indefinite" restart="never" nodeType="tmRoot"/>
+      </p:par>
+    </p:tnLst>
+  </p:timing>
 </p:sld>
 </file>
 
@@ -5481,6 +5540,13 @@
   <p:clrMapOvr>
     <a:masterClrMapping/>
   </p:clrMapOvr>
+  <p:timing>
+    <p:tnLst>
+      <p:par>
+        <p:cTn id="1" dur="indefinite" restart="never" nodeType="tmRoot"/>
+      </p:par>
+    </p:tnLst>
+  </p:timing>
 </p:sld>
 </file>
 
@@ -5631,6 +5697,13 @@
   <p:clrMapOvr>
     <a:masterClrMapping/>
   </p:clrMapOvr>
+  <p:timing>
+    <p:tnLst>
+      <p:par>
+        <p:cTn id="1" dur="indefinite" restart="never" nodeType="tmRoot"/>
+      </p:par>
+    </p:tnLst>
+  </p:timing>
 </p:sld>
 </file>
 
@@ -5792,6 +5865,13 @@
   <p:clrMapOvr>
     <a:masterClrMapping/>
   </p:clrMapOvr>
+  <p:timing>
+    <p:tnLst>
+      <p:par>
+        <p:cTn id="1" dur="indefinite" restart="never" nodeType="tmRoot"/>
+      </p:par>
+    </p:tnLst>
+  </p:timing>
 </p:sld>
 </file>
 
@@ -6253,6 +6333,13 @@
   <p:clrMapOvr>
     <a:masterClrMapping/>
   </p:clrMapOvr>
+  <p:timing>
+    <p:tnLst>
+      <p:par>
+        <p:cTn id="1" dur="indefinite" restart="never" nodeType="tmRoot"/>
+      </p:par>
+    </p:tnLst>
+  </p:timing>
 </p:sld>
 </file>
 
@@ -6689,6 +6776,13 @@
   <p:clrMapOvr>
     <a:masterClrMapping/>
   </p:clrMapOvr>
+  <p:timing>
+    <p:tnLst>
+      <p:par>
+        <p:cTn id="1" dur="indefinite" restart="never" nodeType="tmRoot"/>
+      </p:par>
+    </p:tnLst>
+  </p:timing>
 </p:sld>
 </file>
 
@@ -7146,6 +7240,13 @@
   <p:clrMapOvr>
     <a:masterClrMapping/>
   </p:clrMapOvr>
+  <p:timing>
+    <p:tnLst>
+      <p:par>
+        <p:cTn id="1" dur="indefinite" restart="never" nodeType="tmRoot"/>
+      </p:par>
+    </p:tnLst>
+  </p:timing>
 </p:sld>
 </file>
 
